--- a/demo/UI mock-ups.pptx
+++ b/demo/UI mock-ups.pptx
@@ -115,12 +115,17 @@
       </a:defRPr>
     </a:lvl9pPr>
   </p:defaultTextStyle>
+  <p:extLst>
+    <p:ext uri="{EFAFB233-063F-42B5-8137-9DF3F51BA10A}">
+      <p15:sldGuideLst xmlns:p15="http://schemas.microsoft.com/office/powerpoint/2012/main"/>
+    </p:ext>
+  </p:extLst>
 </p:presentation>
 </file>
 
 <file path=ppt/commentAuthors.xml><?xml version="1.0" encoding="utf-8"?>
 <p:cmAuthorLst xmlns:a="http://schemas.openxmlformats.org/drawingml/2006/main" xmlns:r="http://schemas.openxmlformats.org/officeDocument/2006/relationships" xmlns:p="http://schemas.openxmlformats.org/presentationml/2006/main">
-  <p:cmAuthor id="1" name="Stefan Walraven" initials="SW" lastIdx="2" clrIdx="0">
+  <p:cmAuthor id="1" name="Stefan Walraven" initials="SW" lastIdx="6" clrIdx="0">
     <p:extLst>
       <p:ext uri="{19B8F6BF-5375-455C-9EA6-DF929625EA0E}">
         <p15:presenceInfo xmlns:p15="http://schemas.microsoft.com/office/powerpoint/2012/main" userId="2a72327cc68c37a8" providerId="Windows Live"/>
@@ -147,11 +152,43 @@
 <file path=ppt/comments/comment2.xml><?xml version="1.0" encoding="utf-8"?>
 <p:cmLst xmlns:a="http://schemas.openxmlformats.org/drawingml/2006/main" xmlns:r="http://schemas.openxmlformats.org/officeDocument/2006/relationships" xmlns:p="http://schemas.openxmlformats.org/presentationml/2006/main">
   <p:cm authorId="1" dt="2015-06-29T19:52:17.582" idx="2">
-    <p:pos x="4795" y="1955"/>
+    <p:pos x="4784" y="2454"/>
     <p:text>We assume these availble builds contain a reference to a (customizable) configuration model.</p:text>
+    <p:extLst mod="1">
+      <p:ext uri="{C676402C-5697-4E1C-873F-D02D1690AC5C}">
+        <p15:threadingInfo xmlns:p15="http://schemas.microsoft.com/office/powerpoint/2012/main" timeZoneBias="-120"/>
+      </p:ext>
+    </p:extLst>
+  </p:cm>
+  <p:cm authorId="1" dt="2015-08-05T18:07:19.435" idx="4">
+    <p:pos x="4784" y="2590"/>
+    <p:text>(SPL concept)</p:text>
+    <p:extLst>
+      <p:ext uri="{C676402C-5697-4E1C-873F-D02D1690AC5C}">
+        <p15:threadingInfo xmlns:p15="http://schemas.microsoft.com/office/powerpoint/2012/main" timeZoneBias="-120">
+          <p15:parentCm authorId="1" idx="2"/>
+        </p15:threadingInfo>
+      </p:ext>
+    </p:extLst>
+  </p:cm>
+  <p:cm authorId="1" dt="2015-08-05T18:09:55.759" idx="5">
+    <p:pos x="4788" y="3450"/>
+    <p:text>PaaS &lt;=&gt; IaaS
+Je zou kunnen een eigen "PaaS" implementatie definiëren op basis van een IaaS en daarboven een application server en database.</p:text>
     <p:extLst>
       <p:ext uri="{C676402C-5697-4E1C-873F-D02D1690AC5C}">
         <p15:threadingInfo xmlns:p15="http://schemas.microsoft.com/office/powerpoint/2012/main" timeZoneBias="-120"/>
+      </p:ext>
+    </p:extLst>
+  </p:cm>
+  <p:cm authorId="1" dt="2015-08-05T18:11:06.874" idx="6">
+    <p:pos x="4788" y="3586"/>
+    <p:text>dus app depends op PaaS, en PaaS kan dus cloud foundry zijn, ofwel een IaaS + app server + db</p:text>
+    <p:extLst>
+      <p:ext uri="{C676402C-5697-4E1C-873F-D02D1690AC5C}">
+        <p15:threadingInfo xmlns:p15="http://schemas.microsoft.com/office/powerpoint/2012/main" timeZoneBias="-120">
+          <p15:parentCm authorId="1" idx="5"/>
+        </p15:threadingInfo>
       </p:ext>
     </p:extLst>
   </p:cm>
@@ -240,7 +277,7 @@
           <a:p>
             <a:fld id="{5AC43C5A-7D26-48A3-93AC-EF8EA1DDE8F7}" type="datetimeFigureOut">
               <a:rPr lang="en-IE" smtClean="0"/>
-              <a:t>29/06/2015</a:t>
+              <a:t>05/08/2015</a:t>
             </a:fld>
             <a:endParaRPr lang="en-IE"/>
           </a:p>
@@ -727,7 +764,7 @@
           <a:p>
             <a:fld id="{BA0FA7A8-E70C-429F-9511-C80EDB2D617D}" type="datetime1">
               <a:rPr lang="en-IE" smtClean="0"/>
-              <a:t>29/06/2015</a:t>
+              <a:t>05/08/2015</a:t>
             </a:fld>
             <a:endParaRPr lang="en-IE"/>
           </a:p>
@@ -904,7 +941,7 @@
           <a:p>
             <a:fld id="{D62B454B-B0C8-4BA9-A90C-326F2D7E8C0C}" type="datetime1">
               <a:rPr lang="en-IE" smtClean="0"/>
-              <a:t>29/06/2015</a:t>
+              <a:t>05/08/2015</a:t>
             </a:fld>
             <a:endParaRPr lang="en-IE"/>
           </a:p>
@@ -1121,7 +1158,7 @@
           <a:p>
             <a:fld id="{E6C555F8-791C-4E5E-940D-AB9E9B5DF9A5}" type="datetime1">
               <a:rPr lang="en-IE" smtClean="0"/>
-              <a:t>29/06/2015</a:t>
+              <a:t>05/08/2015</a:t>
             </a:fld>
             <a:endParaRPr lang="en-IE"/>
           </a:p>
@@ -1328,7 +1365,7 @@
           <a:p>
             <a:fld id="{8E0C62BE-A889-4105-A6B4-64BD869FC631}" type="datetime1">
               <a:rPr lang="en-IE" smtClean="0"/>
-              <a:t>29/06/2015</a:t>
+              <a:t>05/08/2015</a:t>
             </a:fld>
             <a:endParaRPr lang="en-IE"/>
           </a:p>
@@ -1609,7 +1646,7 @@
           <a:p>
             <a:fld id="{65B1E628-08F3-4C85-B617-15991A75FA0C}" type="datetime1">
               <a:rPr lang="en-IE" smtClean="0"/>
-              <a:t>29/06/2015</a:t>
+              <a:t>05/08/2015</a:t>
             </a:fld>
             <a:endParaRPr lang="en-IE"/>
           </a:p>
@@ -1848,7 +1885,7 @@
           <a:p>
             <a:fld id="{46C274AB-DD83-48F6-9856-A5A36204A1A9}" type="datetime1">
               <a:rPr lang="en-IE" smtClean="0"/>
-              <a:t>29/06/2015</a:t>
+              <a:t>05/08/2015</a:t>
             </a:fld>
             <a:endParaRPr lang="en-IE"/>
           </a:p>
@@ -2252,7 +2289,7 @@
           <a:p>
             <a:fld id="{A812AA30-030E-4C9E-9412-BDF205B5CA65}" type="datetime1">
               <a:rPr lang="en-IE" smtClean="0"/>
-              <a:t>29/06/2015</a:t>
+              <a:t>05/08/2015</a:t>
             </a:fld>
             <a:endParaRPr lang="en-IE"/>
           </a:p>
@@ -2407,7 +2444,7 @@
           <a:p>
             <a:fld id="{F9AC6DDB-6E1B-45BA-BD7A-CF3C788DD1BB}" type="datetime1">
               <a:rPr lang="en-IE" smtClean="0"/>
-              <a:t>29/06/2015</a:t>
+              <a:t>05/08/2015</a:t>
             </a:fld>
             <a:endParaRPr lang="en-IE"/>
           </a:p>
@@ -2539,7 +2576,7 @@
           <a:p>
             <a:fld id="{26548BEA-45B6-4143-B398-7C6BC07CCD13}" type="datetime1">
               <a:rPr lang="en-IE" smtClean="0"/>
-              <a:t>29/06/2015</a:t>
+              <a:t>05/08/2015</a:t>
             </a:fld>
             <a:endParaRPr lang="en-IE"/>
           </a:p>
@@ -2853,7 +2890,7 @@
           <a:p>
             <a:fld id="{717FE6F6-D4A7-4E4F-9DEA-AFED5FF59935}" type="datetime1">
               <a:rPr lang="en-IE" smtClean="0"/>
-              <a:t>29/06/2015</a:t>
+              <a:t>05/08/2015</a:t>
             </a:fld>
             <a:endParaRPr lang="en-IE"/>
           </a:p>
@@ -3147,7 +3184,7 @@
           <a:p>
             <a:fld id="{15804D14-335A-4E1B-927D-65F13A96B998}" type="datetime1">
               <a:rPr lang="en-IE" smtClean="0"/>
-              <a:t>29/06/2015</a:t>
+              <a:t>05/08/2015</a:t>
             </a:fld>
             <a:endParaRPr lang="en-IE"/>
           </a:p>
@@ -3397,7 +3434,7 @@
           <a:p>
             <a:fld id="{D7309E13-65B3-4990-B062-AF78DB68737F}" type="datetime1">
               <a:rPr lang="en-IE" smtClean="0"/>
-              <a:t>29/06/2015</a:t>
+              <a:t>05/08/2015</a:t>
             </a:fld>
             <a:endParaRPr lang="en-IE"/>
           </a:p>
@@ -10087,7 +10124,7 @@
         <p:spPr>
           <a:xfrm>
             <a:off x="628650" y="1590328"/>
-            <a:ext cx="8180813" cy="4764465"/>
+            <a:ext cx="8180813" cy="5241475"/>
           </a:xfrm>
           <a:prstGeom prst="rect">
             <a:avLst/>
@@ -10389,7 +10426,7 @@
         <p:spPr>
           <a:xfrm>
             <a:off x="628650" y="2058463"/>
-            <a:ext cx="1456489" cy="4296329"/>
+            <a:ext cx="1456489" cy="4773340"/>
           </a:xfrm>
           <a:prstGeom prst="rect">
             <a:avLst/>
@@ -10541,7 +10578,7 @@
         </p:nvSpPr>
         <p:spPr>
           <a:xfrm>
-            <a:off x="2130617" y="2152186"/>
+            <a:off x="2130617" y="2047678"/>
             <a:ext cx="3284297" cy="369332"/>
           </a:xfrm>
           <a:prstGeom prst="rect">
@@ -10571,7 +10608,7 @@
         </p:nvSpPr>
         <p:spPr>
           <a:xfrm>
-            <a:off x="2275580" y="2546559"/>
+            <a:off x="2275580" y="2337543"/>
             <a:ext cx="2727221" cy="369332"/>
           </a:xfrm>
           <a:prstGeom prst="rect">
@@ -10601,8 +10638,8 @@
         </p:nvSpPr>
         <p:spPr>
           <a:xfrm>
-            <a:off x="2275580" y="2876269"/>
-            <a:ext cx="2426433" cy="369332"/>
+            <a:off x="2275580" y="3512011"/>
+            <a:ext cx="2426433" cy="553998"/>
           </a:xfrm>
           <a:prstGeom prst="rect">
             <a:avLst/>
@@ -10617,9 +10654,20 @@
           <a:p>
             <a:r>
               <a:rPr lang="en-IE" dirty="0" smtClean="0"/>
-              <a:t>Select application build:</a:t>
-            </a:r>
-            <a:endParaRPr lang="en-IE" dirty="0"/>
+              <a:t>Select application build</a:t>
+            </a:r>
+            <a:r>
+              <a:rPr lang="en-IE" dirty="0" smtClean="0"/>
+              <a:t>:</a:t>
+            </a:r>
+            <a:br>
+              <a:rPr lang="en-IE" dirty="0" smtClean="0"/>
+            </a:br>
+            <a:r>
+              <a:rPr lang="en-IE" sz="1200" dirty="0" smtClean="0"/>
+              <a:t>(build/version/release…)</a:t>
+            </a:r>
+            <a:endParaRPr lang="en-IE" sz="2000" dirty="0"/>
           </a:p>
         </p:txBody>
       </p:sp>
@@ -10631,7 +10679,7 @@
         </p:nvSpPr>
         <p:spPr>
           <a:xfrm>
-            <a:off x="5002801" y="2587084"/>
+            <a:off x="5002801" y="2378068"/>
             <a:ext cx="2678160" cy="284203"/>
           </a:xfrm>
           <a:prstGeom prst="rect">
@@ -10685,7 +10733,7 @@
         </p:nvSpPr>
         <p:spPr>
           <a:xfrm>
-            <a:off x="5002801" y="2918730"/>
+            <a:off x="5002801" y="3554472"/>
             <a:ext cx="2678160" cy="284203"/>
           </a:xfrm>
           <a:prstGeom prst="rect">
@@ -10722,7 +10770,7 @@
                   <a:schemeClr val="tx1"/>
                 </a:solidFill>
               </a:rPr>
-              <a:t>Application Y [latest]</a:t>
+              <a:t>Application X [latest]</a:t>
             </a:r>
             <a:endParaRPr lang="en-IE" dirty="0">
               <a:solidFill>
@@ -10740,7 +10788,7 @@
         </p:nvSpPr>
         <p:spPr>
           <a:xfrm>
-            <a:off x="5002801" y="3205770"/>
+            <a:off x="5002801" y="3841512"/>
             <a:ext cx="2678160" cy="618995"/>
           </a:xfrm>
           <a:prstGeom prst="rect">
@@ -10789,7 +10837,7 @@
                   <a:schemeClr val="tx1"/>
                 </a:solidFill>
               </a:rPr>
-              <a:t>Application Z [Demo]</a:t>
+              <a:t>Application X [Demo]</a:t>
             </a:r>
             <a:endParaRPr lang="en-IE" dirty="0">
               <a:solidFill>
@@ -10807,7 +10855,7 @@
         </p:nvSpPr>
         <p:spPr>
           <a:xfrm>
-            <a:off x="2275580" y="3909265"/>
+            <a:off x="2275580" y="4466626"/>
             <a:ext cx="2761012" cy="369332"/>
           </a:xfrm>
           <a:prstGeom prst="rect">
@@ -10837,7 +10885,7 @@
         </p:nvSpPr>
         <p:spPr>
           <a:xfrm>
-            <a:off x="5015682" y="3954387"/>
+            <a:off x="5015682" y="4511748"/>
             <a:ext cx="2665279" cy="284203"/>
           </a:xfrm>
           <a:prstGeom prst="rect">
@@ -10892,7 +10940,7 @@
         </p:nvSpPr>
         <p:spPr>
           <a:xfrm>
-            <a:off x="5015683" y="4241427"/>
+            <a:off x="5015683" y="4798788"/>
             <a:ext cx="2665278" cy="1133461"/>
           </a:xfrm>
           <a:prstGeom prst="rect">
@@ -10995,7 +11043,7 @@
         </p:nvSpPr>
         <p:spPr>
           <a:xfrm>
-            <a:off x="2311421" y="5374888"/>
+            <a:off x="2311421" y="5836450"/>
             <a:ext cx="2540119" cy="369332"/>
           </a:xfrm>
           <a:prstGeom prst="rect">
@@ -11025,7 +11073,7 @@
         </p:nvSpPr>
         <p:spPr>
           <a:xfrm>
-            <a:off x="2311420" y="5673287"/>
+            <a:off x="2311420" y="6134849"/>
             <a:ext cx="1717008" cy="369332"/>
           </a:xfrm>
           <a:prstGeom prst="rect">
@@ -11055,7 +11103,7 @@
         </p:nvSpPr>
         <p:spPr>
           <a:xfrm>
-            <a:off x="2311420" y="6000909"/>
+            <a:off x="2311420" y="6462471"/>
             <a:ext cx="6724020" cy="369332"/>
           </a:xfrm>
           <a:prstGeom prst="rect">
@@ -11089,7 +11137,7 @@
         </p:nvSpPr>
         <p:spPr>
           <a:xfrm>
-            <a:off x="4851540" y="5374888"/>
+            <a:off x="4851540" y="5836450"/>
             <a:ext cx="185052" cy="626021"/>
           </a:xfrm>
           <a:prstGeom prst="rightBrace">
@@ -11127,7 +11175,7 @@
         </p:nvSpPr>
         <p:spPr>
           <a:xfrm>
-            <a:off x="5110181" y="5403583"/>
+            <a:off x="5110181" y="5865145"/>
             <a:ext cx="3255589" cy="646331"/>
           </a:xfrm>
           <a:prstGeom prst="rect">
@@ -11146,6 +11194,208 @@
               <a:t>Optional (depends on selected application and environment)</a:t>
             </a:r>
             <a:endParaRPr lang="en-IE" i="1" dirty="0"/>
+          </a:p>
+        </p:txBody>
+      </p:sp>
+      <p:sp>
+        <p:nvSpPr>
+          <p:cNvPr id="27" name="TextBox 26"/>
+          <p:cNvSpPr txBox="1"/>
+          <p:nvPr/>
+        </p:nvSpPr>
+        <p:spPr>
+          <a:xfrm>
+            <a:off x="2279930" y="2689022"/>
+            <a:ext cx="2740366" cy="553998"/>
+          </a:xfrm>
+          <a:prstGeom prst="rect">
+            <a:avLst/>
+          </a:prstGeom>
+          <a:noFill/>
+        </p:spPr>
+        <p:txBody>
+          <a:bodyPr wrap="none" rtlCol="0">
+            <a:spAutoFit/>
+          </a:bodyPr>
+          <a:lstStyle/>
+          <a:p>
+            <a:r>
+              <a:rPr lang="en-IE" dirty="0" smtClean="0"/>
+              <a:t>Select </a:t>
+            </a:r>
+            <a:r>
+              <a:rPr lang="en-IE" dirty="0" smtClean="0"/>
+              <a:t>application:</a:t>
+            </a:r>
+          </a:p>
+          <a:p>
+            <a:r>
+              <a:rPr lang="en-IE" sz="1200" dirty="0" smtClean="0"/>
+              <a:t>(</a:t>
+            </a:r>
+            <a:r>
+              <a:rPr lang="en-IE" sz="1200" dirty="0" err="1" smtClean="0"/>
+              <a:t>onderliggend</a:t>
+            </a:r>
+            <a:r>
+              <a:rPr lang="en-IE" sz="1200" dirty="0" smtClean="0"/>
+              <a:t> </a:t>
+            </a:r>
+            <a:r>
+              <a:rPr lang="en-IE" sz="1200" dirty="0" err="1" smtClean="0"/>
+              <a:t>verwijst</a:t>
+            </a:r>
+            <a:r>
+              <a:rPr lang="en-IE" sz="1200" dirty="0" smtClean="0"/>
+              <a:t> </a:t>
+            </a:r>
+            <a:r>
+              <a:rPr lang="en-IE" sz="1200" dirty="0" err="1" smtClean="0"/>
+              <a:t>dit</a:t>
+            </a:r>
+            <a:r>
+              <a:rPr lang="en-IE" sz="1200" dirty="0" smtClean="0"/>
+              <a:t> </a:t>
+            </a:r>
+            <a:r>
+              <a:rPr lang="en-IE" sz="1200" dirty="0" err="1" smtClean="0"/>
+              <a:t>naar</a:t>
+            </a:r>
+            <a:r>
+              <a:rPr lang="en-IE" sz="1200" dirty="0" smtClean="0"/>
+              <a:t> </a:t>
+            </a:r>
+            <a:r>
+              <a:rPr lang="en-IE" sz="1200" dirty="0" err="1" smtClean="0"/>
+              <a:t>een</a:t>
+            </a:r>
+            <a:r>
+              <a:rPr lang="en-IE" sz="1200" dirty="0" smtClean="0"/>
+              <a:t> repo)</a:t>
+            </a:r>
+            <a:endParaRPr lang="en-IE" sz="1200" dirty="0"/>
+          </a:p>
+        </p:txBody>
+      </p:sp>
+      <p:sp>
+        <p:nvSpPr>
+          <p:cNvPr id="28" name="Rectangle 27"/>
+          <p:cNvSpPr/>
+          <p:nvPr/>
+        </p:nvSpPr>
+        <p:spPr>
+          <a:xfrm>
+            <a:off x="5007151" y="2731484"/>
+            <a:ext cx="2678160" cy="218556"/>
+          </a:xfrm>
+          <a:prstGeom prst="rect">
+            <a:avLst/>
+          </a:prstGeom>
+          <a:solidFill>
+            <a:schemeClr val="bg1"/>
+          </a:solidFill>
+        </p:spPr>
+        <p:style>
+          <a:lnRef idx="2">
+            <a:schemeClr val="accent1">
+              <a:shade val="50000"/>
+            </a:schemeClr>
+          </a:lnRef>
+          <a:fillRef idx="1">
+            <a:schemeClr val="accent1"/>
+          </a:fillRef>
+          <a:effectRef idx="0">
+            <a:schemeClr val="accent1"/>
+          </a:effectRef>
+          <a:fontRef idx="minor">
+            <a:schemeClr val="lt1"/>
+          </a:fontRef>
+        </p:style>
+        <p:txBody>
+          <a:bodyPr rtlCol="0" anchor="ctr"/>
+          <a:lstStyle/>
+          <a:p>
+            <a:pPr algn="ctr"/>
+            <a:r>
+              <a:rPr lang="en-IE" sz="1600" dirty="0" smtClean="0">
+                <a:solidFill>
+                  <a:schemeClr val="tx1"/>
+                </a:solidFill>
+              </a:rPr>
+              <a:t>Application X</a:t>
+            </a:r>
+            <a:endParaRPr lang="en-IE" sz="1600" dirty="0">
+              <a:solidFill>
+                <a:schemeClr val="tx1"/>
+              </a:solidFill>
+            </a:endParaRPr>
+          </a:p>
+        </p:txBody>
+      </p:sp>
+      <p:sp>
+        <p:nvSpPr>
+          <p:cNvPr id="29" name="Rectangle 28"/>
+          <p:cNvSpPr/>
+          <p:nvPr/>
+        </p:nvSpPr>
+        <p:spPr>
+          <a:xfrm>
+            <a:off x="5002801" y="2948147"/>
+            <a:ext cx="2678160" cy="555083"/>
+          </a:xfrm>
+          <a:prstGeom prst="rect">
+            <a:avLst/>
+          </a:prstGeom>
+          <a:solidFill>
+            <a:schemeClr val="bg1"/>
+          </a:solidFill>
+          <a:ln>
+            <a:prstDash val="dash"/>
+          </a:ln>
+        </p:spPr>
+        <p:style>
+          <a:lnRef idx="2">
+            <a:schemeClr val="accent1">
+              <a:shade val="50000"/>
+            </a:schemeClr>
+          </a:lnRef>
+          <a:fillRef idx="1">
+            <a:schemeClr val="accent1"/>
+          </a:fillRef>
+          <a:effectRef idx="0">
+            <a:schemeClr val="accent1"/>
+          </a:effectRef>
+          <a:fontRef idx="minor">
+            <a:schemeClr val="lt1"/>
+          </a:fontRef>
+        </p:style>
+        <p:txBody>
+          <a:bodyPr rtlCol="0" anchor="t"/>
+          <a:lstStyle/>
+          <a:p>
+            <a:r>
+              <a:rPr lang="en-IE" sz="1600" dirty="0" smtClean="0">
+                <a:solidFill>
+                  <a:schemeClr val="tx1"/>
+                </a:solidFill>
+              </a:rPr>
+              <a:t>Application Y</a:t>
+            </a:r>
+          </a:p>
+          <a:p>
+            <a:r>
+              <a:rPr lang="en-IE" sz="1600" dirty="0" smtClean="0">
+                <a:solidFill>
+                  <a:schemeClr val="tx1"/>
+                </a:solidFill>
+              </a:rPr>
+              <a:t>Application Z</a:t>
+            </a:r>
+            <a:endParaRPr lang="en-IE" sz="1600" dirty="0">
+              <a:solidFill>
+                <a:schemeClr val="tx1"/>
+              </a:solidFill>
+            </a:endParaRPr>
           </a:p>
         </p:txBody>
       </p:sp>
